--- a/Distributed system/Lecture 3  .pptx
+++ b/Distributed system/Lecture 3  .pptx
@@ -253,7 +253,7 @@
           <a:p>
             <a:fld id="{B4191A0E-918F-463D-9B1F-12C4075A5728}" type="datetimeFigureOut">
               <a:rPr lang="en-MY" smtClean="0"/>
-              <a:t>19/11/2022</a:t>
+              <a:t>10/12/2022</a:t>
             </a:fld>
             <a:endParaRPr lang="en-MY"/>
           </a:p>
@@ -566,6 +566,476 @@
           <a:lstStyle/>
           <a:p>
             <a:r>
+              <a:rPr lang="en-US" b="0" i="0" dirty="0">
+                <a:solidFill>
+                  <a:srgbClr val="D1D5DB"/>
+                </a:solidFill>
+                <a:effectLst/>
+                <a:latin typeface="Söhne"/>
+              </a:rPr>
+              <a:t>Multithreading is a type of computer processing in which multiple threads, or threads of execution, run concurrently within a single program or process. This allows a program to perform multiple tasks at the same time, making the most efficient use of the available resources on a computer. In a multithreaded program, each thread has its own set of instructions and can run independently of the other threads, allowing for parallel processing and improved performance</a:t>
+            </a:r>
+            <a:endParaRPr lang="en-MY" dirty="0"/>
+          </a:p>
+        </p:txBody>
+      </p:sp>
+      <p:sp>
+        <p:nvSpPr>
+          <p:cNvPr id="4" name="Slide Number Placeholder 3"/>
+          <p:cNvSpPr>
+            <a:spLocks noGrp="1"/>
+          </p:cNvSpPr>
+          <p:nvPr>
+            <p:ph type="sldNum" sz="quarter" idx="5"/>
+          </p:nvPr>
+        </p:nvSpPr>
+        <p:spPr/>
+        <p:txBody>
+          <a:bodyPr/>
+          <a:lstStyle/>
+          <a:p>
+            <a:fld id="{1F6D7DCF-6974-4FFC-8FBE-E0B8A486C598}" type="slidenum">
+              <a:rPr lang="en-MY" smtClean="0"/>
+              <a:t>12</a:t>
+            </a:fld>
+            <a:endParaRPr lang="en-MY"/>
+          </a:p>
+        </p:txBody>
+      </p:sp>
+    </p:spTree>
+    <p:extLst>
+      <p:ext uri="{BB962C8B-B14F-4D97-AF65-F5344CB8AC3E}">
+        <p14:creationId xmlns:p14="http://schemas.microsoft.com/office/powerpoint/2010/main" val="3324762430"/>
+      </p:ext>
+    </p:extLst>
+  </p:cSld>
+  <p:clrMapOvr>
+    <a:masterClrMapping/>
+  </p:clrMapOvr>
+</p:notes>
+</file>
+
+<file path=ppt/notesSlides/notesSlide2.xml><?xml version="1.0" encoding="utf-8"?>
+<p:notes xmlns:a="http://schemas.openxmlformats.org/drawingml/2006/main" xmlns:r="http://schemas.openxmlformats.org/officeDocument/2006/relationships" xmlns:p="http://schemas.openxmlformats.org/presentationml/2006/main">
+  <p:cSld>
+    <p:spTree>
+      <p:nvGrpSpPr>
+        <p:cNvPr id="1" name=""/>
+        <p:cNvGrpSpPr/>
+        <p:nvPr/>
+      </p:nvGrpSpPr>
+      <p:grpSpPr>
+        <a:xfrm>
+          <a:off x="0" y="0"/>
+          <a:ext cx="0" cy="0"/>
+          <a:chOff x="0" y="0"/>
+          <a:chExt cx="0" cy="0"/>
+        </a:xfrm>
+      </p:grpSpPr>
+      <p:sp>
+        <p:nvSpPr>
+          <p:cNvPr id="2" name="Slide Image Placeholder 1"/>
+          <p:cNvSpPr>
+            <a:spLocks noGrp="1" noRot="1" noChangeAspect="1"/>
+          </p:cNvSpPr>
+          <p:nvPr>
+            <p:ph type="sldImg"/>
+          </p:nvPr>
+        </p:nvSpPr>
+        <p:spPr/>
+      </p:sp>
+      <p:sp>
+        <p:nvSpPr>
+          <p:cNvPr id="3" name="Notes Placeholder 2"/>
+          <p:cNvSpPr>
+            <a:spLocks noGrp="1"/>
+          </p:cNvSpPr>
+          <p:nvPr>
+            <p:ph type="body" idx="1"/>
+          </p:nvPr>
+        </p:nvSpPr>
+        <p:spPr/>
+        <p:txBody>
+          <a:bodyPr/>
+          <a:lstStyle/>
+          <a:p>
+            <a:r>
+              <a:rPr lang="en-US" b="0" i="0" dirty="0">
+                <a:solidFill>
+                  <a:srgbClr val="D1D5DB"/>
+                </a:solidFill>
+                <a:effectLst/>
+                <a:latin typeface="Söhne"/>
+              </a:rPr>
+              <a:t>In computing, a deadlock is a situation in which two or more threads or processes are blocked, waiting for one another to release a resource that they need in order to continue. This can happen when each thread or process holds a resource that the other needs, and they are unable to proceed without first releasing the resource they are holding. As a result, they remain stuck in a waiting state, unable to make progress. Deadlocks can be a major problem in multithreaded and multiprocessing environments, and they can be difficult to detect and resolve.</a:t>
+            </a:r>
+            <a:endParaRPr lang="en-MY" dirty="0"/>
+          </a:p>
+        </p:txBody>
+      </p:sp>
+      <p:sp>
+        <p:nvSpPr>
+          <p:cNvPr id="4" name="Slide Number Placeholder 3"/>
+          <p:cNvSpPr>
+            <a:spLocks noGrp="1"/>
+          </p:cNvSpPr>
+          <p:nvPr>
+            <p:ph type="sldNum" sz="quarter" idx="5"/>
+          </p:nvPr>
+        </p:nvSpPr>
+        <p:spPr/>
+        <p:txBody>
+          <a:bodyPr/>
+          <a:lstStyle/>
+          <a:p>
+            <a:fld id="{1F6D7DCF-6974-4FFC-8FBE-E0B8A486C598}" type="slidenum">
+              <a:rPr lang="en-MY" smtClean="0"/>
+              <a:t>13</a:t>
+            </a:fld>
+            <a:endParaRPr lang="en-MY"/>
+          </a:p>
+        </p:txBody>
+      </p:sp>
+    </p:spTree>
+    <p:extLst>
+      <p:ext uri="{BB962C8B-B14F-4D97-AF65-F5344CB8AC3E}">
+        <p14:creationId xmlns:p14="http://schemas.microsoft.com/office/powerpoint/2010/main" val="1899824037"/>
+      </p:ext>
+    </p:extLst>
+  </p:cSld>
+  <p:clrMapOvr>
+    <a:masterClrMapping/>
+  </p:clrMapOvr>
+</p:notes>
+</file>
+
+<file path=ppt/notesSlides/notesSlide3.xml><?xml version="1.0" encoding="utf-8"?>
+<p:notes xmlns:a="http://schemas.openxmlformats.org/drawingml/2006/main" xmlns:r="http://schemas.openxmlformats.org/officeDocument/2006/relationships" xmlns:p="http://schemas.openxmlformats.org/presentationml/2006/main">
+  <p:cSld>
+    <p:spTree>
+      <p:nvGrpSpPr>
+        <p:cNvPr id="1" name=""/>
+        <p:cNvGrpSpPr/>
+        <p:nvPr/>
+      </p:nvGrpSpPr>
+      <p:grpSpPr>
+        <a:xfrm>
+          <a:off x="0" y="0"/>
+          <a:ext cx="0" cy="0"/>
+          <a:chOff x="0" y="0"/>
+          <a:chExt cx="0" cy="0"/>
+        </a:xfrm>
+      </p:grpSpPr>
+      <p:sp>
+        <p:nvSpPr>
+          <p:cNvPr id="2" name="Slide Image Placeholder 1"/>
+          <p:cNvSpPr>
+            <a:spLocks noGrp="1" noRot="1" noChangeAspect="1"/>
+          </p:cNvSpPr>
+          <p:nvPr>
+            <p:ph type="sldImg"/>
+          </p:nvPr>
+        </p:nvSpPr>
+        <p:spPr/>
+      </p:sp>
+      <p:sp>
+        <p:nvSpPr>
+          <p:cNvPr id="3" name="Notes Placeholder 2"/>
+          <p:cNvSpPr>
+            <a:spLocks noGrp="1"/>
+          </p:cNvSpPr>
+          <p:nvPr>
+            <p:ph type="body" idx="1"/>
+          </p:nvPr>
+        </p:nvSpPr>
+        <p:spPr/>
+        <p:txBody>
+          <a:bodyPr/>
+          <a:lstStyle/>
+          <a:p>
+            <a:r>
+              <a:rPr lang="en-US" b="0" i="0" dirty="0">
+                <a:solidFill>
+                  <a:srgbClr val="D1D5DB"/>
+                </a:solidFill>
+                <a:effectLst/>
+                <a:latin typeface="Söhne"/>
+              </a:rPr>
+              <a:t>Synchronization is a technique used in computer programming to ensure that two or more threads or processes access shared data or resources in a controlled and consistent manner. This is necessary to avoid conflicts, data corruption, and other problems that can arise when multiple threads or processes try to access the same data or resources at the same time. Synchronization is typically achieved using locks, semaphores, or other mechanisms that control the access of threads or processes to shared data or resources. By using synchronization, it is possible to ensure that shared data and resources are accessed in a consistent and orderly manner, allowing multiple threads or processes to work together without conflicts or errors.</a:t>
+            </a:r>
+            <a:endParaRPr lang="en-MY" dirty="0"/>
+          </a:p>
+        </p:txBody>
+      </p:sp>
+      <p:sp>
+        <p:nvSpPr>
+          <p:cNvPr id="4" name="Slide Number Placeholder 3"/>
+          <p:cNvSpPr>
+            <a:spLocks noGrp="1"/>
+          </p:cNvSpPr>
+          <p:nvPr>
+            <p:ph type="sldNum" sz="quarter" idx="5"/>
+          </p:nvPr>
+        </p:nvSpPr>
+        <p:spPr/>
+        <p:txBody>
+          <a:bodyPr/>
+          <a:lstStyle/>
+          <a:p>
+            <a:fld id="{1F6D7DCF-6974-4FFC-8FBE-E0B8A486C598}" type="slidenum">
+              <a:rPr lang="en-MY" smtClean="0"/>
+              <a:t>14</a:t>
+            </a:fld>
+            <a:endParaRPr lang="en-MY"/>
+          </a:p>
+        </p:txBody>
+      </p:sp>
+    </p:spTree>
+    <p:extLst>
+      <p:ext uri="{BB962C8B-B14F-4D97-AF65-F5344CB8AC3E}">
+        <p14:creationId xmlns:p14="http://schemas.microsoft.com/office/powerpoint/2010/main" val="1785099810"/>
+      </p:ext>
+    </p:extLst>
+  </p:cSld>
+  <p:clrMapOvr>
+    <a:masterClrMapping/>
+  </p:clrMapOvr>
+</p:notes>
+</file>
+
+<file path=ppt/notesSlides/notesSlide4.xml><?xml version="1.0" encoding="utf-8"?>
+<p:notes xmlns:a="http://schemas.openxmlformats.org/drawingml/2006/main" xmlns:r="http://schemas.openxmlformats.org/officeDocument/2006/relationships" xmlns:p="http://schemas.openxmlformats.org/presentationml/2006/main">
+  <p:cSld>
+    <p:spTree>
+      <p:nvGrpSpPr>
+        <p:cNvPr id="1" name=""/>
+        <p:cNvGrpSpPr/>
+        <p:nvPr/>
+      </p:nvGrpSpPr>
+      <p:grpSpPr>
+        <a:xfrm>
+          <a:off x="0" y="0"/>
+          <a:ext cx="0" cy="0"/>
+          <a:chOff x="0" y="0"/>
+          <a:chExt cx="0" cy="0"/>
+        </a:xfrm>
+      </p:grpSpPr>
+      <p:sp>
+        <p:nvSpPr>
+          <p:cNvPr id="2" name="Slide Image Placeholder 1"/>
+          <p:cNvSpPr>
+            <a:spLocks noGrp="1" noRot="1" noChangeAspect="1"/>
+          </p:cNvSpPr>
+          <p:nvPr>
+            <p:ph type="sldImg"/>
+          </p:nvPr>
+        </p:nvSpPr>
+        <p:spPr/>
+      </p:sp>
+      <p:sp>
+        <p:nvSpPr>
+          <p:cNvPr id="3" name="Notes Placeholder 2"/>
+          <p:cNvSpPr>
+            <a:spLocks noGrp="1"/>
+          </p:cNvSpPr>
+          <p:nvPr>
+            <p:ph type="body" idx="1"/>
+          </p:nvPr>
+        </p:nvSpPr>
+        <p:spPr/>
+        <p:txBody>
+          <a:bodyPr/>
+          <a:lstStyle/>
+          <a:p>
+            <a:r>
+              <a:rPr lang="en-US" b="0" i="0" dirty="0">
+                <a:solidFill>
+                  <a:srgbClr val="D1D5DB"/>
+                </a:solidFill>
+                <a:effectLst/>
+                <a:latin typeface="Söhne"/>
+              </a:rPr>
+              <a:t>A race condition is a situation in which two or more threads or processes access shared data and try to change it at the same time. Because the threads or processes are not synchronized, the resulting behavior is unpredictable and can lead to errors.</a:t>
+            </a:r>
+            <a:endParaRPr lang="en-MY" dirty="0"/>
+          </a:p>
+        </p:txBody>
+      </p:sp>
+      <p:sp>
+        <p:nvSpPr>
+          <p:cNvPr id="4" name="Slide Number Placeholder 3"/>
+          <p:cNvSpPr>
+            <a:spLocks noGrp="1"/>
+          </p:cNvSpPr>
+          <p:nvPr>
+            <p:ph type="sldNum" sz="quarter" idx="5"/>
+          </p:nvPr>
+        </p:nvSpPr>
+        <p:spPr/>
+        <p:txBody>
+          <a:bodyPr/>
+          <a:lstStyle/>
+          <a:p>
+            <a:fld id="{1F6D7DCF-6974-4FFC-8FBE-E0B8A486C598}" type="slidenum">
+              <a:rPr lang="en-MY" smtClean="0"/>
+              <a:t>22</a:t>
+            </a:fld>
+            <a:endParaRPr lang="en-MY"/>
+          </a:p>
+        </p:txBody>
+      </p:sp>
+    </p:spTree>
+    <p:extLst>
+      <p:ext uri="{BB962C8B-B14F-4D97-AF65-F5344CB8AC3E}">
+        <p14:creationId xmlns:p14="http://schemas.microsoft.com/office/powerpoint/2010/main" val="4176989418"/>
+      </p:ext>
+    </p:extLst>
+  </p:cSld>
+  <p:clrMapOvr>
+    <a:masterClrMapping/>
+  </p:clrMapOvr>
+</p:notes>
+</file>
+
+<file path=ppt/notesSlides/notesSlide5.xml><?xml version="1.0" encoding="utf-8"?>
+<p:notes xmlns:a="http://schemas.openxmlformats.org/drawingml/2006/main" xmlns:r="http://schemas.openxmlformats.org/officeDocument/2006/relationships" xmlns:p="http://schemas.openxmlformats.org/presentationml/2006/main">
+  <p:cSld>
+    <p:spTree>
+      <p:nvGrpSpPr>
+        <p:cNvPr id="1" name=""/>
+        <p:cNvGrpSpPr/>
+        <p:nvPr/>
+      </p:nvGrpSpPr>
+      <p:grpSpPr>
+        <a:xfrm>
+          <a:off x="0" y="0"/>
+          <a:ext cx="0" cy="0"/>
+          <a:chOff x="0" y="0"/>
+          <a:chExt cx="0" cy="0"/>
+        </a:xfrm>
+      </p:grpSpPr>
+      <p:sp>
+        <p:nvSpPr>
+          <p:cNvPr id="2" name="Slide Image Placeholder 1"/>
+          <p:cNvSpPr>
+            <a:spLocks noGrp="1" noRot="1" noChangeAspect="1"/>
+          </p:cNvSpPr>
+          <p:nvPr>
+            <p:ph type="sldImg"/>
+          </p:nvPr>
+        </p:nvSpPr>
+        <p:spPr/>
+      </p:sp>
+      <p:sp>
+        <p:nvSpPr>
+          <p:cNvPr id="3" name="Notes Placeholder 2"/>
+          <p:cNvSpPr>
+            <a:spLocks noGrp="1"/>
+          </p:cNvSpPr>
+          <p:nvPr>
+            <p:ph type="body" idx="1"/>
+          </p:nvPr>
+        </p:nvSpPr>
+        <p:spPr/>
+        <p:txBody>
+          <a:bodyPr/>
+          <a:lstStyle/>
+          <a:p>
+            <a:r>
+              <a:rPr lang="en-US" b="0" i="0" dirty="0">
+                <a:solidFill>
+                  <a:srgbClr val="D1D5DB"/>
+                </a:solidFill>
+                <a:effectLst/>
+                <a:latin typeface="Söhne"/>
+              </a:rPr>
+              <a:t>The primary advantage of using a lock is that it can help prevent race conditions by ensuring that only one thread can access a shared resource at a time. This can help ensure the integrity of the shared data and avoid errors that may result from multiple threads trying to modify the data simultaneously. Locks can also help improve the performance of multi-threaded programs by allowing threads to run concurrently and avoid unnecessary delays. In addition, locks can provide a simple and effective mechanism for synchronizing access to shared resources, which can make it easier to write and maintain multi-threaded programs.</a:t>
+            </a:r>
+            <a:endParaRPr lang="en-MY" dirty="0"/>
+          </a:p>
+        </p:txBody>
+      </p:sp>
+      <p:sp>
+        <p:nvSpPr>
+          <p:cNvPr id="4" name="Slide Number Placeholder 3"/>
+          <p:cNvSpPr>
+            <a:spLocks noGrp="1"/>
+          </p:cNvSpPr>
+          <p:nvPr>
+            <p:ph type="sldNum" sz="quarter" idx="5"/>
+          </p:nvPr>
+        </p:nvSpPr>
+        <p:spPr/>
+        <p:txBody>
+          <a:bodyPr/>
+          <a:lstStyle/>
+          <a:p>
+            <a:fld id="{1F6D7DCF-6974-4FFC-8FBE-E0B8A486C598}" type="slidenum">
+              <a:rPr lang="en-MY" smtClean="0"/>
+              <a:t>23</a:t>
+            </a:fld>
+            <a:endParaRPr lang="en-MY"/>
+          </a:p>
+        </p:txBody>
+      </p:sp>
+    </p:spTree>
+    <p:extLst>
+      <p:ext uri="{BB962C8B-B14F-4D97-AF65-F5344CB8AC3E}">
+        <p14:creationId xmlns:p14="http://schemas.microsoft.com/office/powerpoint/2010/main" val="3304131520"/>
+      </p:ext>
+    </p:extLst>
+  </p:cSld>
+  <p:clrMapOvr>
+    <a:masterClrMapping/>
+  </p:clrMapOvr>
+</p:notes>
+</file>
+
+<file path=ppt/notesSlides/notesSlide6.xml><?xml version="1.0" encoding="utf-8"?>
+<p:notes xmlns:a="http://schemas.openxmlformats.org/drawingml/2006/main" xmlns:r="http://schemas.openxmlformats.org/officeDocument/2006/relationships" xmlns:p="http://schemas.openxmlformats.org/presentationml/2006/main">
+  <p:cSld>
+    <p:spTree>
+      <p:nvGrpSpPr>
+        <p:cNvPr id="1" name=""/>
+        <p:cNvGrpSpPr/>
+        <p:nvPr/>
+      </p:nvGrpSpPr>
+      <p:grpSpPr>
+        <a:xfrm>
+          <a:off x="0" y="0"/>
+          <a:ext cx="0" cy="0"/>
+          <a:chOff x="0" y="0"/>
+          <a:chExt cx="0" cy="0"/>
+        </a:xfrm>
+      </p:grpSpPr>
+      <p:sp>
+        <p:nvSpPr>
+          <p:cNvPr id="2" name="Slide Image Placeholder 1"/>
+          <p:cNvSpPr>
+            <a:spLocks noGrp="1" noRot="1" noChangeAspect="1"/>
+          </p:cNvSpPr>
+          <p:nvPr>
+            <p:ph type="sldImg"/>
+          </p:nvPr>
+        </p:nvSpPr>
+        <p:spPr/>
+      </p:sp>
+      <p:sp>
+        <p:nvSpPr>
+          <p:cNvPr id="3" name="Notes Placeholder 2"/>
+          <p:cNvSpPr>
+            <a:spLocks noGrp="1"/>
+          </p:cNvSpPr>
+          <p:nvPr>
+            <p:ph type="body" idx="1"/>
+          </p:nvPr>
+        </p:nvSpPr>
+        <p:spPr/>
+        <p:txBody>
+          <a:bodyPr/>
+          <a:lstStyle/>
+          <a:p>
+            <a:r>
               <a:rPr lang="en-MY" dirty="0"/>
               <a:t>3:25</a:t>
             </a:r>
@@ -757,7 +1227,7 @@
           <a:p>
             <a:fld id="{575630BB-3B07-4A24-A29C-52C28A644696}" type="datetime1">
               <a:rPr lang="en-MY" smtClean="0"/>
-              <a:t>19/11/2022</a:t>
+              <a:t>10/12/2022</a:t>
             </a:fld>
             <a:endParaRPr lang="en-MY"/>
           </a:p>
@@ -957,7 +1427,7 @@
           <a:p>
             <a:fld id="{A32F14DB-F4D9-4E46-83F3-7381AC7B6703}" type="datetime1">
               <a:rPr lang="en-MY" smtClean="0"/>
-              <a:t>19/11/2022</a:t>
+              <a:t>10/12/2022</a:t>
             </a:fld>
             <a:endParaRPr lang="en-MY"/>
           </a:p>
@@ -1167,7 +1637,7 @@
           <a:p>
             <a:fld id="{907C31D4-A7A9-4DA9-937C-EB40E62370CD}" type="datetime1">
               <a:rPr lang="en-MY" smtClean="0"/>
-              <a:t>19/11/2022</a:t>
+              <a:t>10/12/2022</a:t>
             </a:fld>
             <a:endParaRPr lang="en-MY"/>
           </a:p>
@@ -1367,7 +1837,7 @@
           <a:p>
             <a:fld id="{53F39295-287F-4985-8837-A9466E977441}" type="datetime1">
               <a:rPr lang="en-MY" smtClean="0"/>
-              <a:t>19/11/2022</a:t>
+              <a:t>10/12/2022</a:t>
             </a:fld>
             <a:endParaRPr lang="en-MY"/>
           </a:p>
@@ -1643,7 +2113,7 @@
           <a:p>
             <a:fld id="{3A2D18B5-73E8-4F8F-9544-18C5211E560E}" type="datetime1">
               <a:rPr lang="en-MY" smtClean="0"/>
-              <a:t>19/11/2022</a:t>
+              <a:t>10/12/2022</a:t>
             </a:fld>
             <a:endParaRPr lang="en-MY"/>
           </a:p>
@@ -1911,7 +2381,7 @@
           <a:p>
             <a:fld id="{CB1C5058-98A5-4852-AA50-3E660B656AF8}" type="datetime1">
               <a:rPr lang="en-MY" smtClean="0"/>
-              <a:t>19/11/2022</a:t>
+              <a:t>10/12/2022</a:t>
             </a:fld>
             <a:endParaRPr lang="en-MY"/>
           </a:p>
@@ -2326,7 +2796,7 @@
           <a:p>
             <a:fld id="{5E3299A8-99C8-4692-AE30-7B9530A8894D}" type="datetime1">
               <a:rPr lang="en-MY" smtClean="0"/>
-              <a:t>19/11/2022</a:t>
+              <a:t>10/12/2022</a:t>
             </a:fld>
             <a:endParaRPr lang="en-MY"/>
           </a:p>
@@ -2468,7 +2938,7 @@
           <a:p>
             <a:fld id="{F9E8AB34-0127-42A3-B85B-BAC4C97A20A6}" type="datetime1">
               <a:rPr lang="en-MY" smtClean="0"/>
-              <a:t>19/11/2022</a:t>
+              <a:t>10/12/2022</a:t>
             </a:fld>
             <a:endParaRPr lang="en-MY"/>
           </a:p>
@@ -2581,7 +3051,7 @@
           <a:p>
             <a:fld id="{410D77F9-7CCE-45E2-AE05-1F59C82624D1}" type="datetime1">
               <a:rPr lang="en-MY" smtClean="0"/>
-              <a:t>19/11/2022</a:t>
+              <a:t>10/12/2022</a:t>
             </a:fld>
             <a:endParaRPr lang="en-MY"/>
           </a:p>
@@ -2894,7 +3364,7 @@
           <a:p>
             <a:fld id="{AFFA5CDF-C8F9-4B7F-B7B0-A57466217FB6}" type="datetime1">
               <a:rPr lang="en-MY" smtClean="0"/>
-              <a:t>19/11/2022</a:t>
+              <a:t>10/12/2022</a:t>
             </a:fld>
             <a:endParaRPr lang="en-MY"/>
           </a:p>
@@ -3183,7 +3653,7 @@
           <a:p>
             <a:fld id="{17DE4271-380D-4934-9419-8DF8F2F8DEF5}" type="datetime1">
               <a:rPr lang="en-MY" smtClean="0"/>
-              <a:t>19/11/2022</a:t>
+              <a:t>10/12/2022</a:t>
             </a:fld>
             <a:endParaRPr lang="en-MY"/>
           </a:p>
@@ -3426,7 +3896,7 @@
           <a:p>
             <a:fld id="{57E8CEA9-5CDF-47FA-8A88-9520A7AA4013}" type="datetime1">
               <a:rPr lang="en-MY" smtClean="0"/>
-              <a:t>19/11/2022</a:t>
+              <a:t>10/12/2022</a:t>
             </a:fld>
             <a:endParaRPr lang="en-MY"/>
           </a:p>
@@ -5658,10 +6128,10 @@
           <a:lstStyle/>
           <a:p>
             <a:r>
-              <a:rPr lang="en-US"/>
+              <a:rPr lang="en-US" dirty="0"/>
               <a:t>Why multithreading?</a:t>
             </a:r>
-            <a:endParaRPr lang="en-MY"/>
+            <a:endParaRPr lang="en-MY" dirty="0"/>
           </a:p>
         </p:txBody>
       </p:sp>
@@ -5756,7 +6226,7 @@
           <p:nvPr/>
         </p:nvPicPr>
         <p:blipFill rotWithShape="1">
-          <a:blip r:embed="rId2"/>
+          <a:blip r:embed="rId3"/>
           <a:srcRect l="43356" r="11524" b="-1"/>
           <a:stretch/>
         </p:blipFill>
@@ -14112,7 +14582,19 @@
           <a:p>
             <a:r>
               <a:rPr lang="en-US" altLang="en-US" sz="2200" dirty="0"/>
-              <a:t>A critical section must be run atomically.</a:t>
+              <a:t>A </a:t>
+            </a:r>
+            <a:r>
+              <a:rPr lang="en-US" altLang="en-US" sz="2200" dirty="0">
+                <a:highlight>
+                  <a:srgbClr val="FFFF00"/>
+                </a:highlight>
+              </a:rPr>
+              <a:t>critical section </a:t>
+            </a:r>
+            <a:r>
+              <a:rPr lang="en-US" altLang="en-US" sz="2200" dirty="0"/>
+              <a:t>must be run atomically.</a:t>
             </a:r>
           </a:p>
           <a:p>
@@ -14124,15 +14606,31 @@
           </a:p>
           <a:p>
             <a:r>
+              <a:rPr lang="en-US" altLang="en-US" sz="2200" dirty="0">
+                <a:highlight>
+                  <a:srgbClr val="FFFF00"/>
+                </a:highlight>
+              </a:rPr>
+              <a:t>Mutual exclusion </a:t>
+            </a:r>
+            <a:r>
               <a:rPr lang="en-US" altLang="en-US" sz="2200" dirty="0"/>
-              <a:t>Mutual exclusion of more than one critical section must be ensured</a:t>
+              <a:t>of more than one critical section must be ensured</a:t>
             </a:r>
           </a:p>
           <a:p>
             <a:pPr lvl="1"/>
             <a:r>
               <a:rPr lang="en-US" altLang="en-US" sz="2200" dirty="0"/>
-              <a:t>Mutual exclusion is ensured by using pieces of code to block a thread that attempts to run its critical section while the critical section of another thread is being executed. The thread is unblocked when the other thread’s critical section completes execution. This is known as Sleep and Wakeup.</a:t>
+              <a:t>Mutual exclusion is ensured by using pieces of code to block a thread that attempts to run its critical section while the critical section of another thread is being executed. The thread is unblocked when the other thread’s critical section completes execution. This is known as </a:t>
+            </a:r>
+            <a:r>
+              <a:rPr lang="en-US" altLang="en-US" sz="2200" dirty="0">
+                <a:highlight>
+                  <a:srgbClr val="FFFF00"/>
+                </a:highlight>
+              </a:rPr>
+              <a:t>Sleep and Wakeup.</a:t>
             </a:r>
           </a:p>
           <a:p>
@@ -15780,6 +16278,45 @@
               <a:rPr lang="en-US" altLang="en-US" sz="2200" dirty="0"/>
               <a:t>There are two methods that are used to manipulate the locks: acquire() and release()</a:t>
             </a:r>
+          </a:p>
+        </p:txBody>
+      </p:sp>
+      <p:sp>
+        <p:nvSpPr>
+          <p:cNvPr id="3" name="TextBox 2">
+            <a:extLst>
+              <a:ext uri="{FF2B5EF4-FFF2-40B4-BE49-F238E27FC236}">
+                <a16:creationId xmlns:a16="http://schemas.microsoft.com/office/drawing/2014/main" id="{7DB33AFA-7F5E-7C30-9808-6A58EDC24712}"/>
+              </a:ext>
+            </a:extLst>
+          </p:cNvPr>
+          <p:cNvSpPr txBox="1"/>
+          <p:nvPr/>
+        </p:nvSpPr>
+        <p:spPr>
+          <a:xfrm>
+            <a:off x="2868133" y="4164964"/>
+            <a:ext cx="6097772" cy="2031325"/>
+          </a:xfrm>
+          <a:prstGeom prst="rect">
+            <a:avLst/>
+          </a:prstGeom>
+          <a:noFill/>
+        </p:spPr>
+        <p:txBody>
+          <a:bodyPr wrap="square">
+            <a:spAutoFit/>
+          </a:bodyPr>
+          <a:lstStyle/>
+          <a:p>
+            <a:r>
+              <a:rPr lang="en-US" b="1" i="0" dirty="0">
+                <a:effectLst/>
+                <a:latin typeface="Söhne"/>
+              </a:rPr>
+              <a:t>Concurrently means happening at the same time. In the context of computing, concurrency refers to the ability of a system to support multiple threads or processes that can be executed simultaneously. This can be useful for improving the performance and responsiveness of a system by allowing different tasks to be performed in parallel, rather than sequentially.</a:t>
+            </a:r>
+            <a:endParaRPr lang="en-MY" b="1" dirty="0"/>
           </a:p>
         </p:txBody>
       </p:sp>
@@ -17387,14 +17924,14 @@
           <a:lstStyle/>
           <a:p>
             <a:r>
-              <a:rPr lang="en-US" altLang="en-US" sz="4200"/>
+              <a:rPr lang="en-US" altLang="en-US" sz="4200" dirty="0"/>
               <a:t>Deadlocks</a:t>
             </a:r>
             <a:br>
-              <a:rPr lang="en-US" altLang="en-US" sz="4200"/>
+              <a:rPr lang="en-US" altLang="en-US" sz="4200" dirty="0"/>
             </a:br>
             <a:r>
-              <a:rPr lang="en-US" altLang="en-US" sz="4200"/>
+              <a:rPr lang="en-US" altLang="en-US" sz="4200" dirty="0"/>
               <a:t>The four necessary conditions</a:t>
             </a:r>
           </a:p>
@@ -22182,8 +22719,16 @@
           <a:p>
             <a:pPr lvl="1"/>
             <a:r>
+              <a:rPr lang="en-US" sz="2200" dirty="0">
+                <a:highlight>
+                  <a:srgbClr val="FFFF00"/>
+                </a:highlight>
+              </a:rPr>
+              <a:t>Smallest unit of processing </a:t>
+            </a:r>
+            <a:r>
               <a:rPr lang="en-US" sz="2200" dirty="0"/>
-              <a:t>Smallest unit of processing (context) that can be scheduled by an operating system</a:t>
+              <a:t>(context) that can be scheduled by an operating system</a:t>
             </a:r>
           </a:p>
           <a:p>
@@ -22195,8 +22740,16 @@
           <a:p>
             <a:pPr lvl="1"/>
             <a:r>
+              <a:rPr lang="en-US" sz="2200" dirty="0">
+                <a:highlight>
+                  <a:srgbClr val="FFFF00"/>
+                </a:highlight>
+              </a:rPr>
+              <a:t>Switching can happen more frequently </a:t>
+            </a:r>
+            <a:r>
               <a:rPr lang="en-US" sz="2200" dirty="0"/>
-              <a:t>Switching can happen more frequently and efficiently.</a:t>
+              <a:t>and efficiently.</a:t>
             </a:r>
           </a:p>
           <a:p>
@@ -22216,7 +22769,19 @@
             <a:pPr lvl="1"/>
             <a:r>
               <a:rPr lang="en-US" sz="2200" dirty="0"/>
-              <a:t>Sometimes called a lightweight process (LWP)</a:t>
+              <a:t>Sometimes called a </a:t>
+            </a:r>
+            <a:r>
+              <a:rPr lang="en-US" sz="2200" dirty="0">
+                <a:highlight>
+                  <a:srgbClr val="FFFF00"/>
+                </a:highlight>
+              </a:rPr>
+              <a:t>lightweight process </a:t>
+            </a:r>
+            <a:r>
+              <a:rPr lang="en-US" sz="2200" dirty="0"/>
+              <a:t>(LWP)</a:t>
             </a:r>
           </a:p>
           <a:p>
@@ -24557,7 +25122,19 @@
             <a:pPr lvl="1"/>
             <a:r>
               <a:rPr lang="en-US" sz="2200" dirty="0"/>
-              <a:t>A thread is like a separate CPU executing your application. </a:t>
+              <a:t>A </a:t>
+            </a:r>
+            <a:r>
+              <a:rPr lang="en-US" sz="2200" dirty="0">
+                <a:highlight>
+                  <a:srgbClr val="FFFF00"/>
+                </a:highlight>
+              </a:rPr>
+              <a:t>thread is like a separate CPU </a:t>
+            </a:r>
+            <a:r>
+              <a:rPr lang="en-US" sz="2200" dirty="0"/>
+              <a:t>executing your application. </a:t>
             </a:r>
           </a:p>
           <a:p>
